--- a/report.pptx
+++ b/report.pptx
@@ -12,16 +12,19 @@
     <p:sldMasterId id="2147484079" r:id="rId8"/>
   </p:sldMasterIdLst>
   <p:notesMasterIdLst>
-    <p:notesMasterId r:id="rId13"/>
+    <p:notesMasterId r:id="rId16"/>
   </p:notesMasterIdLst>
   <p:handoutMasterIdLst>
-    <p:handoutMasterId r:id="rId14"/>
+    <p:handoutMasterId r:id="rId17"/>
   </p:handoutMasterIdLst>
   <p:sldIdLst>
     <p:sldId id="256" r:id="rId9"/>
-    <p:sldId id="261" r:id="rId10"/>
-    <p:sldId id="260" r:id="rId11"/>
-    <p:sldId id="259" r:id="rId12"/>
+    <p:sldId id="264" r:id="rId10"/>
+    <p:sldId id="262" r:id="rId11"/>
+    <p:sldId id="263" r:id="rId12"/>
+    <p:sldId id="261" r:id="rId13"/>
+    <p:sldId id="260" r:id="rId14"/>
+    <p:sldId id="259" r:id="rId15"/>
   </p:sldIdLst>
   <p:sldSz cx="9144000" cy="6858000" type="screen4x3"/>
   <p:notesSz cx="6858000" cy="9144000"/>
@@ -206,7 +209,7 @@
             <a:fld id="{F580C841-A34D-0F44-B99C-434D0D484263}" type="datetimeFigureOut">
               <a:rPr lang="en-US" smtClean="0"/>
               <a:pPr/>
-              <a:t>4/7/16</a:t>
+              <a:t>5/17/16</a:t>
             </a:fld>
             <a:endParaRPr lang="en-US"/>
           </a:p>
@@ -374,7 +377,7 @@
             <a:fld id="{D55F55D3-CD27-9042-95C4-4762BDC1F504}" type="datetimeFigureOut">
               <a:rPr lang="en-US" smtClean="0"/>
               <a:pPr/>
-              <a:t>4/7/16</a:t>
+              <a:t>5/17/16</a:t>
             </a:fld>
             <a:endParaRPr lang="en-US"/>
           </a:p>
@@ -25045,6 +25048,13 @@
   <p:clrMapOvr>
     <a:masterClrMapping/>
   </p:clrMapOvr>
+  <p:timing>
+    <p:tnLst>
+      <p:par>
+        <p:cTn xmlns:p14="http://schemas.microsoft.com/office/powerpoint/2010/main" id="1" dur="indefinite" restart="never" nodeType="tmRoot"/>
+      </p:par>
+    </p:tnLst>
+  </p:timing>
 </p:sld>
 </file>
 
@@ -25087,7 +25097,7 @@
           <a:p>
             <a:r>
               <a:rPr lang="en-US" dirty="0" smtClean="0"/>
-              <a:t>Summary</a:t>
+              <a:t>Summary (May 2016)</a:t>
             </a:r>
             <a:endParaRPr lang="en-US" dirty="0"/>
           </a:p>
@@ -25139,66 +25149,14 @@
           <a:p>
             <a:r>
               <a:rPr lang="en-US" dirty="0" smtClean="0"/>
-              <a:t>Myeloid data perhaps usable</a:t>
+              <a:t>T cell data quality varied much sample by sample</a:t>
             </a:r>
           </a:p>
           <a:p>
             <a:pPr lvl="1"/>
             <a:r>
-              <a:rPr lang="en-US" dirty="0"/>
-              <a:t>A</a:t>
-            </a:r>
-            <a:r>
               <a:rPr lang="en-US" dirty="0" smtClean="0"/>
-              <a:t>lignment </a:t>
-            </a:r>
-            <a:r>
-              <a:rPr lang="en-US" dirty="0"/>
-              <a:t>rates around 30</a:t>
-            </a:r>
-            <a:r>
-              <a:rPr lang="en-US" dirty="0" smtClean="0"/>
-              <a:t>%</a:t>
-            </a:r>
-          </a:p>
-          <a:p>
-            <a:pPr lvl="1"/>
-            <a:r>
-              <a:rPr lang="en-US" dirty="0"/>
-              <a:t>T</a:t>
-            </a:r>
-            <a:r>
-              <a:rPr lang="en-US" dirty="0" smtClean="0"/>
-              <a:t>otal number of aligned </a:t>
-            </a:r>
-            <a:r>
-              <a:rPr lang="en-US" dirty="0"/>
-              <a:t>read </a:t>
-            </a:r>
-            <a:r>
-              <a:rPr lang="en-US" dirty="0" smtClean="0"/>
-              <a:t>small, </a:t>
-            </a:r>
-            <a:r>
-              <a:rPr lang="en-US" dirty="0"/>
-              <a:t>less than 10 million per sample</a:t>
-            </a:r>
-          </a:p>
-          <a:p>
-            <a:r>
-              <a:rPr lang="en-US" dirty="0" smtClean="0"/>
-              <a:t>T cell data not usable so far</a:t>
-            </a:r>
-          </a:p>
-          <a:p>
-            <a:pPr lvl="1"/>
-            <a:r>
-              <a:rPr lang="en-US" dirty="0"/>
-              <a:t>A</a:t>
-            </a:r>
-            <a:r>
-              <a:rPr lang="en-US" dirty="0" smtClean="0"/>
-              <a:t>lignment rate in single digit</a:t>
+              <a:t>Alignment rates 2% to 29%</a:t>
             </a:r>
             <a:endParaRPr lang="en-US" dirty="0"/>
           </a:p>
@@ -25207,13 +25165,20 @@
     </p:spTree>
     <p:extLst>
       <p:ext uri="{BB962C8B-B14F-4D97-AF65-F5344CB8AC3E}">
-        <p14:creationId xmlns:p14="http://schemas.microsoft.com/office/powerpoint/2010/main" val="3271888937"/>
+        <p14:creationId xmlns:p14="http://schemas.microsoft.com/office/powerpoint/2010/main" val="3192338620"/>
       </p:ext>
     </p:extLst>
   </p:cSld>
   <p:clrMapOvr>
     <a:masterClrMapping/>
   </p:clrMapOvr>
+  <p:timing>
+    <p:tnLst>
+      <p:par>
+        <p:cTn xmlns:p14="http://schemas.microsoft.com/office/powerpoint/2010/main" id="1" dur="indefinite" restart="never" nodeType="tmRoot"/>
+      </p:par>
+    </p:tnLst>
+  </p:timing>
 </p:sld>
 </file>
 
@@ -25247,7 +25212,7 @@
         <p:spPr>
           <a:xfrm>
             <a:off x="941443" y="0"/>
-            <a:ext cx="7885057" cy="1143000"/>
+            <a:ext cx="7885057" cy="800934"/>
           </a:xfrm>
         </p:spPr>
         <p:txBody>
@@ -25255,10 +25220,10 @@
           <a:lstStyle/>
           <a:p>
             <a:r>
-              <a:rPr lang="en-US" dirty="0" smtClean="0"/>
-              <a:t>Total aligned reads: 2.5 to 7 million</a:t>
-            </a:r>
-            <a:endParaRPr lang="en-US" dirty="0"/>
+              <a:rPr lang="en-US" sz="2800" dirty="0" smtClean="0"/>
+              <a:t>T cells: total aligned reads: 0.5 to 7 million</a:t>
+            </a:r>
+            <a:endParaRPr lang="en-US" sz="2800" dirty="0"/>
           </a:p>
         </p:txBody>
       </p:sp>
@@ -25288,7 +25253,7 @@
       </p:sp>
       <p:pic>
         <p:nvPicPr>
-          <p:cNvPr id="7" name="Picture 6"/>
+          <p:cNvPr id="5" name="Picture 4"/>
           <p:cNvPicPr>
             <a:picLocks noChangeAspect="1"/>
           </p:cNvPicPr>
@@ -25302,8 +25267,8 @@
         </p:blipFill>
         <p:spPr>
           <a:xfrm>
-            <a:off x="941443" y="1143000"/>
-            <a:ext cx="7866182" cy="5127843"/>
+            <a:off x="827036" y="812376"/>
+            <a:ext cx="7846164" cy="5343376"/>
           </a:xfrm>
           <a:prstGeom prst="rect">
             <a:avLst/>
@@ -25313,13 +25278,20 @@
     </p:spTree>
     <p:extLst>
       <p:ext uri="{BB962C8B-B14F-4D97-AF65-F5344CB8AC3E}">
-        <p14:creationId xmlns:p14="http://schemas.microsoft.com/office/powerpoint/2010/main" val="522221512"/>
+        <p14:creationId xmlns:p14="http://schemas.microsoft.com/office/powerpoint/2010/main" val="4201646739"/>
       </p:ext>
     </p:extLst>
   </p:cSld>
   <p:clrMapOvr>
     <a:masterClrMapping/>
   </p:clrMapOvr>
+  <p:timing>
+    <p:tnLst>
+      <p:par>
+        <p:cTn xmlns:p14="http://schemas.microsoft.com/office/powerpoint/2010/main" id="1" dur="indefinite" restart="never" nodeType="tmRoot"/>
+      </p:par>
+    </p:tnLst>
+  </p:timing>
 </p:sld>
 </file>
 
@@ -25353,7 +25325,7 @@
         <p:spPr>
           <a:xfrm>
             <a:off x="941443" y="0"/>
-            <a:ext cx="7885057" cy="1143000"/>
+            <a:ext cx="7885057" cy="846702"/>
           </a:xfrm>
         </p:spPr>
         <p:txBody>
@@ -25361,10 +25333,10 @@
           <a:lstStyle/>
           <a:p>
             <a:r>
-              <a:rPr lang="en-US" dirty="0" smtClean="0"/>
-              <a:t>Alignment rate: 13% to 35%</a:t>
-            </a:r>
-            <a:endParaRPr lang="en-US" dirty="0"/>
+              <a:rPr lang="en-US" sz="2800" dirty="0" smtClean="0"/>
+              <a:t>T cells: Alignment rate: 2% to 29%</a:t>
+            </a:r>
+            <a:endParaRPr lang="en-US" sz="2800" dirty="0"/>
           </a:p>
         </p:txBody>
       </p:sp>
@@ -25387,6 +25359,395 @@
               <a:rPr lang="en-US" smtClean="0"/>
               <a:pPr/>
               <a:t>4</a:t>
+            </a:fld>
+            <a:endParaRPr lang="en-US" dirty="0"/>
+          </a:p>
+        </p:txBody>
+      </p:sp>
+      <p:pic>
+        <p:nvPicPr>
+          <p:cNvPr id="5" name="Picture 4"/>
+          <p:cNvPicPr>
+            <a:picLocks noChangeAspect="1"/>
+          </p:cNvPicPr>
+          <p:nvPr/>
+        </p:nvPicPr>
+        <p:blipFill>
+          <a:blip r:embed="rId2"/>
+          <a:stretch>
+            <a:fillRect/>
+          </a:stretch>
+        </p:blipFill>
+        <p:spPr>
+          <a:xfrm>
+            <a:off x="827035" y="881028"/>
+            <a:ext cx="7999465" cy="5319104"/>
+          </a:xfrm>
+          <a:prstGeom prst="rect">
+            <a:avLst/>
+          </a:prstGeom>
+        </p:spPr>
+      </p:pic>
+    </p:spTree>
+    <p:extLst>
+      <p:ext uri="{BB962C8B-B14F-4D97-AF65-F5344CB8AC3E}">
+        <p14:creationId xmlns:p14="http://schemas.microsoft.com/office/powerpoint/2010/main" val="4076557521"/>
+      </p:ext>
+    </p:extLst>
+  </p:cSld>
+  <p:clrMapOvr>
+    <a:masterClrMapping/>
+  </p:clrMapOvr>
+  <p:timing>
+    <p:tnLst>
+      <p:par>
+        <p:cTn xmlns:p14="http://schemas.microsoft.com/office/powerpoint/2010/main" id="1" dur="indefinite" restart="never" nodeType="tmRoot"/>
+      </p:par>
+    </p:tnLst>
+  </p:timing>
+</p:sld>
+</file>
+
+<file path=ppt/slides/slide5.xml><?xml version="1.0" encoding="utf-8"?>
+<p:sld xmlns:a="http://schemas.openxmlformats.org/drawingml/2006/main" xmlns:r="http://schemas.openxmlformats.org/officeDocument/2006/relationships" xmlns:p="http://schemas.openxmlformats.org/presentationml/2006/main">
+  <p:cSld>
+    <p:spTree>
+      <p:nvGrpSpPr>
+        <p:cNvPr id="1" name=""/>
+        <p:cNvGrpSpPr/>
+        <p:nvPr/>
+      </p:nvGrpSpPr>
+      <p:grpSpPr>
+        <a:xfrm>
+          <a:off x="0" y="0"/>
+          <a:ext cx="0" cy="0"/>
+          <a:chOff x="0" y="0"/>
+          <a:chExt cx="0" cy="0"/>
+        </a:xfrm>
+      </p:grpSpPr>
+      <p:sp>
+        <p:nvSpPr>
+          <p:cNvPr id="2" name="Title 1"/>
+          <p:cNvSpPr>
+            <a:spLocks noGrp="1"/>
+          </p:cNvSpPr>
+          <p:nvPr>
+            <p:ph type="title"/>
+          </p:nvPr>
+        </p:nvSpPr>
+        <p:spPr>
+          <a:xfrm>
+            <a:off x="941443" y="7487"/>
+            <a:ext cx="7885057" cy="1143000"/>
+          </a:xfrm>
+        </p:spPr>
+        <p:txBody>
+          <a:bodyPr/>
+          <a:lstStyle/>
+          <a:p>
+            <a:r>
+              <a:rPr lang="en-US" dirty="0" smtClean="0"/>
+              <a:t>Summary (April 2016)</a:t>
+            </a:r>
+            <a:endParaRPr lang="en-US" dirty="0"/>
+          </a:p>
+        </p:txBody>
+      </p:sp>
+      <p:sp>
+        <p:nvSpPr>
+          <p:cNvPr id="3" name="Slide Number Placeholder 2"/>
+          <p:cNvSpPr>
+            <a:spLocks noGrp="1"/>
+          </p:cNvSpPr>
+          <p:nvPr>
+            <p:ph type="sldNum" sz="quarter" idx="4"/>
+          </p:nvPr>
+        </p:nvSpPr>
+        <p:spPr/>
+        <p:txBody>
+          <a:bodyPr/>
+          <a:lstStyle/>
+          <a:p>
+            <a:fld id="{24791E93-A2B7-0848-BDB4-10A6DF01D9B6}" type="slidenum">
+              <a:rPr lang="en-US" smtClean="0"/>
+              <a:pPr/>
+              <a:t>5</a:t>
+            </a:fld>
+            <a:endParaRPr lang="en-US" dirty="0"/>
+          </a:p>
+        </p:txBody>
+      </p:sp>
+      <p:sp>
+        <p:nvSpPr>
+          <p:cNvPr id="4" name="Content Placeholder 3"/>
+          <p:cNvSpPr>
+            <a:spLocks noGrp="1"/>
+          </p:cNvSpPr>
+          <p:nvPr>
+            <p:ph sz="quarter" idx="12"/>
+          </p:nvPr>
+        </p:nvSpPr>
+        <p:spPr>
+          <a:xfrm>
+            <a:off x="941443" y="1501242"/>
+            <a:ext cx="7885057" cy="4191000"/>
+          </a:xfrm>
+        </p:spPr>
+        <p:txBody>
+          <a:bodyPr/>
+          <a:lstStyle/>
+          <a:p>
+            <a:r>
+              <a:rPr lang="en-US" dirty="0" smtClean="0"/>
+              <a:t>Myeloid data perhaps usable</a:t>
+            </a:r>
+          </a:p>
+          <a:p>
+            <a:pPr lvl="1"/>
+            <a:r>
+              <a:rPr lang="en-US" dirty="0"/>
+              <a:t>A</a:t>
+            </a:r>
+            <a:r>
+              <a:rPr lang="en-US" dirty="0" smtClean="0"/>
+              <a:t>lignment </a:t>
+            </a:r>
+            <a:r>
+              <a:rPr lang="en-US" dirty="0"/>
+              <a:t>rates around 30</a:t>
+            </a:r>
+            <a:r>
+              <a:rPr lang="en-US" dirty="0" smtClean="0"/>
+              <a:t>%</a:t>
+            </a:r>
+          </a:p>
+          <a:p>
+            <a:pPr lvl="1"/>
+            <a:r>
+              <a:rPr lang="en-US" dirty="0"/>
+              <a:t>T</a:t>
+            </a:r>
+            <a:r>
+              <a:rPr lang="en-US" dirty="0" smtClean="0"/>
+              <a:t>otal number of aligned </a:t>
+            </a:r>
+            <a:r>
+              <a:rPr lang="en-US" dirty="0"/>
+              <a:t>read </a:t>
+            </a:r>
+            <a:r>
+              <a:rPr lang="en-US" dirty="0" smtClean="0"/>
+              <a:t>small, </a:t>
+            </a:r>
+            <a:r>
+              <a:rPr lang="en-US" dirty="0"/>
+              <a:t>less than 10 million per </a:t>
+            </a:r>
+            <a:r>
+              <a:rPr lang="en-US" dirty="0" smtClean="0"/>
+              <a:t>sample</a:t>
+            </a:r>
+            <a:endParaRPr lang="en-US" dirty="0"/>
+          </a:p>
+        </p:txBody>
+      </p:sp>
+    </p:spTree>
+    <p:extLst>
+      <p:ext uri="{BB962C8B-B14F-4D97-AF65-F5344CB8AC3E}">
+        <p14:creationId xmlns:p14="http://schemas.microsoft.com/office/powerpoint/2010/main" val="3271888937"/>
+      </p:ext>
+    </p:extLst>
+  </p:cSld>
+  <p:clrMapOvr>
+    <a:masterClrMapping/>
+  </p:clrMapOvr>
+  <p:timing>
+    <p:tnLst>
+      <p:par>
+        <p:cTn xmlns:p14="http://schemas.microsoft.com/office/powerpoint/2010/main" id="1" dur="indefinite" restart="never" nodeType="tmRoot"/>
+      </p:par>
+    </p:tnLst>
+  </p:timing>
+</p:sld>
+</file>
+
+<file path=ppt/slides/slide6.xml><?xml version="1.0" encoding="utf-8"?>
+<p:sld xmlns:a="http://schemas.openxmlformats.org/drawingml/2006/main" xmlns:r="http://schemas.openxmlformats.org/officeDocument/2006/relationships" xmlns:p="http://schemas.openxmlformats.org/presentationml/2006/main">
+  <p:cSld>
+    <p:spTree>
+      <p:nvGrpSpPr>
+        <p:cNvPr id="1" name=""/>
+        <p:cNvGrpSpPr/>
+        <p:nvPr/>
+      </p:nvGrpSpPr>
+      <p:grpSpPr>
+        <a:xfrm>
+          <a:off x="0" y="0"/>
+          <a:ext cx="0" cy="0"/>
+          <a:chOff x="0" y="0"/>
+          <a:chExt cx="0" cy="0"/>
+        </a:xfrm>
+      </p:grpSpPr>
+      <p:sp>
+        <p:nvSpPr>
+          <p:cNvPr id="2" name="Title 1"/>
+          <p:cNvSpPr>
+            <a:spLocks noGrp="1"/>
+          </p:cNvSpPr>
+          <p:nvPr>
+            <p:ph type="title"/>
+          </p:nvPr>
+        </p:nvSpPr>
+        <p:spPr>
+          <a:xfrm>
+            <a:off x="941443" y="0"/>
+            <a:ext cx="7885057" cy="766609"/>
+          </a:xfrm>
+        </p:spPr>
+        <p:txBody>
+          <a:bodyPr/>
+          <a:lstStyle/>
+          <a:p>
+            <a:r>
+              <a:rPr lang="en-US" sz="2800" dirty="0" smtClean="0"/>
+              <a:t>Microglia: Total aligned reads: 2.5 to 7 million</a:t>
+            </a:r>
+            <a:endParaRPr lang="en-US" sz="2800" dirty="0"/>
+          </a:p>
+        </p:txBody>
+      </p:sp>
+      <p:sp>
+        <p:nvSpPr>
+          <p:cNvPr id="3" name="Slide Number Placeholder 2"/>
+          <p:cNvSpPr>
+            <a:spLocks noGrp="1"/>
+          </p:cNvSpPr>
+          <p:nvPr>
+            <p:ph type="sldNum" sz="quarter" idx="4"/>
+          </p:nvPr>
+        </p:nvSpPr>
+        <p:spPr/>
+        <p:txBody>
+          <a:bodyPr/>
+          <a:lstStyle/>
+          <a:p>
+            <a:fld id="{24791E93-A2B7-0848-BDB4-10A6DF01D9B6}" type="slidenum">
+              <a:rPr lang="en-US" smtClean="0"/>
+              <a:pPr/>
+              <a:t>6</a:t>
+            </a:fld>
+            <a:endParaRPr lang="en-US" dirty="0"/>
+          </a:p>
+        </p:txBody>
+      </p:sp>
+      <p:pic>
+        <p:nvPicPr>
+          <p:cNvPr id="7" name="Picture 6"/>
+          <p:cNvPicPr>
+            <a:picLocks noChangeAspect="1"/>
+          </p:cNvPicPr>
+          <p:nvPr/>
+        </p:nvPicPr>
+        <p:blipFill>
+          <a:blip r:embed="rId2"/>
+          <a:stretch>
+            <a:fillRect/>
+          </a:stretch>
+        </p:blipFill>
+        <p:spPr>
+          <a:xfrm>
+            <a:off x="665206" y="868394"/>
+            <a:ext cx="8161294" cy="5320222"/>
+          </a:xfrm>
+          <a:prstGeom prst="rect">
+            <a:avLst/>
+          </a:prstGeom>
+        </p:spPr>
+      </p:pic>
+    </p:spTree>
+    <p:extLst>
+      <p:ext uri="{BB962C8B-B14F-4D97-AF65-F5344CB8AC3E}">
+        <p14:creationId xmlns:p14="http://schemas.microsoft.com/office/powerpoint/2010/main" val="522221512"/>
+      </p:ext>
+    </p:extLst>
+  </p:cSld>
+  <p:clrMapOvr>
+    <a:masterClrMapping/>
+  </p:clrMapOvr>
+  <p:timing>
+    <p:tnLst>
+      <p:par>
+        <p:cTn xmlns:p14="http://schemas.microsoft.com/office/powerpoint/2010/main" id="1" dur="indefinite" restart="never" nodeType="tmRoot"/>
+      </p:par>
+    </p:tnLst>
+  </p:timing>
+</p:sld>
+</file>
+
+<file path=ppt/slides/slide7.xml><?xml version="1.0" encoding="utf-8"?>
+<p:sld xmlns:a="http://schemas.openxmlformats.org/drawingml/2006/main" xmlns:r="http://schemas.openxmlformats.org/officeDocument/2006/relationships" xmlns:p="http://schemas.openxmlformats.org/presentationml/2006/main">
+  <p:cSld>
+    <p:spTree>
+      <p:nvGrpSpPr>
+        <p:cNvPr id="1" name=""/>
+        <p:cNvGrpSpPr/>
+        <p:nvPr/>
+      </p:nvGrpSpPr>
+      <p:grpSpPr>
+        <a:xfrm>
+          <a:off x="0" y="0"/>
+          <a:ext cx="0" cy="0"/>
+          <a:chOff x="0" y="0"/>
+          <a:chExt cx="0" cy="0"/>
+        </a:xfrm>
+      </p:grpSpPr>
+      <p:sp>
+        <p:nvSpPr>
+          <p:cNvPr id="2" name="Title 1"/>
+          <p:cNvSpPr>
+            <a:spLocks noGrp="1"/>
+          </p:cNvSpPr>
+          <p:nvPr>
+            <p:ph type="title"/>
+          </p:nvPr>
+        </p:nvSpPr>
+        <p:spPr>
+          <a:xfrm>
+            <a:off x="941443" y="0"/>
+            <a:ext cx="7885057" cy="766609"/>
+          </a:xfrm>
+        </p:spPr>
+        <p:txBody>
+          <a:bodyPr/>
+          <a:lstStyle/>
+          <a:p>
+            <a:r>
+              <a:rPr lang="en-US" sz="2800" dirty="0" smtClean="0"/>
+              <a:t>Microglia: Alignment rate: 13% to 35%</a:t>
+            </a:r>
+            <a:endParaRPr lang="en-US" sz="2800" dirty="0"/>
+          </a:p>
+        </p:txBody>
+      </p:sp>
+      <p:sp>
+        <p:nvSpPr>
+          <p:cNvPr id="3" name="Slide Number Placeholder 2"/>
+          <p:cNvSpPr>
+            <a:spLocks noGrp="1"/>
+          </p:cNvSpPr>
+          <p:nvPr>
+            <p:ph type="sldNum" sz="quarter" idx="4"/>
+          </p:nvPr>
+        </p:nvSpPr>
+        <p:spPr/>
+        <p:txBody>
+          <a:bodyPr/>
+          <a:lstStyle/>
+          <a:p>
+            <a:fld id="{24791E93-A2B7-0848-BDB4-10A6DF01D9B6}" type="slidenum">
+              <a:rPr lang="en-US" smtClean="0"/>
+              <a:pPr/>
+              <a:t>7</a:t>
             </a:fld>
             <a:endParaRPr lang="en-US" dirty="0"/>
           </a:p>
@@ -25408,8 +25769,8 @@
         </p:blipFill>
         <p:spPr>
           <a:xfrm>
-            <a:off x="941442" y="1143000"/>
-            <a:ext cx="7885057" cy="5140148"/>
+            <a:off x="594996" y="914160"/>
+            <a:ext cx="8231503" cy="5365991"/>
           </a:xfrm>
           <a:prstGeom prst="rect">
             <a:avLst/>
@@ -25426,6 +25787,13 @@
   <p:clrMapOvr>
     <a:masterClrMapping/>
   </p:clrMapOvr>
+  <p:timing>
+    <p:tnLst>
+      <p:par>
+        <p:cTn xmlns:p14="http://schemas.microsoft.com/office/powerpoint/2010/main" id="1" dur="indefinite" restart="never" nodeType="tmRoot"/>
+      </p:par>
+    </p:tnLst>
+  </p:timing>
 </p:sld>
 </file>
 
